--- a/docs/docs/assets/logo/logo-python.pptx
+++ b/docs/docs/assets/logo/logo-python.pptx
@@ -243,7 +243,7 @@
           <a:p>
             <a:fld id="{185ADEA4-F1C4-5A4F-8418-CAECE5FCA4CE}" type="datetimeFigureOut">
               <a:rPr lang="en-US" smtClean="0"/>
-              <a:t>2/21/24</a:t>
+              <a:t>6/10/24</a:t>
             </a:fld>
             <a:endParaRPr lang="en-US"/>
           </a:p>
@@ -413,7 +413,7 @@
           <a:p>
             <a:fld id="{185ADEA4-F1C4-5A4F-8418-CAECE5FCA4CE}" type="datetimeFigureOut">
               <a:rPr lang="en-US" smtClean="0"/>
-              <a:t>2/21/24</a:t>
+              <a:t>6/10/24</a:t>
             </a:fld>
             <a:endParaRPr lang="en-US"/>
           </a:p>
@@ -593,7 +593,7 @@
           <a:p>
             <a:fld id="{185ADEA4-F1C4-5A4F-8418-CAECE5FCA4CE}" type="datetimeFigureOut">
               <a:rPr lang="en-US" smtClean="0"/>
-              <a:t>2/21/24</a:t>
+              <a:t>6/10/24</a:t>
             </a:fld>
             <a:endParaRPr lang="en-US"/>
           </a:p>
@@ -763,7 +763,7 @@
           <a:p>
             <a:fld id="{185ADEA4-F1C4-5A4F-8418-CAECE5FCA4CE}" type="datetimeFigureOut">
               <a:rPr lang="en-US" smtClean="0"/>
-              <a:t>2/21/24</a:t>
+              <a:t>6/10/24</a:t>
             </a:fld>
             <a:endParaRPr lang="en-US"/>
           </a:p>
@@ -1009,7 +1009,7 @@
           <a:p>
             <a:fld id="{185ADEA4-F1C4-5A4F-8418-CAECE5FCA4CE}" type="datetimeFigureOut">
               <a:rPr lang="en-US" smtClean="0"/>
-              <a:t>2/21/24</a:t>
+              <a:t>6/10/24</a:t>
             </a:fld>
             <a:endParaRPr lang="en-US"/>
           </a:p>
@@ -1241,7 +1241,7 @@
           <a:p>
             <a:fld id="{185ADEA4-F1C4-5A4F-8418-CAECE5FCA4CE}" type="datetimeFigureOut">
               <a:rPr lang="en-US" smtClean="0"/>
-              <a:t>2/21/24</a:t>
+              <a:t>6/10/24</a:t>
             </a:fld>
             <a:endParaRPr lang="en-US"/>
           </a:p>
@@ -1608,7 +1608,7 @@
           <a:p>
             <a:fld id="{185ADEA4-F1C4-5A4F-8418-CAECE5FCA4CE}" type="datetimeFigureOut">
               <a:rPr lang="en-US" smtClean="0"/>
-              <a:t>2/21/24</a:t>
+              <a:t>6/10/24</a:t>
             </a:fld>
             <a:endParaRPr lang="en-US"/>
           </a:p>
@@ -1726,7 +1726,7 @@
           <a:p>
             <a:fld id="{185ADEA4-F1C4-5A4F-8418-CAECE5FCA4CE}" type="datetimeFigureOut">
               <a:rPr lang="en-US" smtClean="0"/>
-              <a:t>2/21/24</a:t>
+              <a:t>6/10/24</a:t>
             </a:fld>
             <a:endParaRPr lang="en-US"/>
           </a:p>
@@ -1821,7 +1821,7 @@
           <a:p>
             <a:fld id="{185ADEA4-F1C4-5A4F-8418-CAECE5FCA4CE}" type="datetimeFigureOut">
               <a:rPr lang="en-US" smtClean="0"/>
-              <a:t>2/21/24</a:t>
+              <a:t>6/10/24</a:t>
             </a:fld>
             <a:endParaRPr lang="en-US"/>
           </a:p>
@@ -2098,7 +2098,7 @@
           <a:p>
             <a:fld id="{185ADEA4-F1C4-5A4F-8418-CAECE5FCA4CE}" type="datetimeFigureOut">
               <a:rPr lang="en-US" smtClean="0"/>
-              <a:t>2/21/24</a:t>
+              <a:t>6/10/24</a:t>
             </a:fld>
             <a:endParaRPr lang="en-US"/>
           </a:p>
@@ -2355,7 +2355,7 @@
           <a:p>
             <a:fld id="{185ADEA4-F1C4-5A4F-8418-CAECE5FCA4CE}" type="datetimeFigureOut">
               <a:rPr lang="en-US" smtClean="0"/>
-              <a:t>2/21/24</a:t>
+              <a:t>6/10/24</a:t>
             </a:fld>
             <a:endParaRPr lang="en-US"/>
           </a:p>
@@ -2568,7 +2568,7 @@
           <a:p>
             <a:fld id="{185ADEA4-F1C4-5A4F-8418-CAECE5FCA4CE}" type="datetimeFigureOut">
               <a:rPr lang="en-US" smtClean="0"/>
-              <a:t>2/21/24</a:t>
+              <a:t>6/10/24</a:t>
             </a:fld>
             <a:endParaRPr lang="en-US"/>
           </a:p>
@@ -2987,10 +2987,10 @@
         </p:nvGrpSpPr>
         <p:grpSpPr>
           <a:xfrm>
-            <a:off x="125625" y="-2361"/>
-            <a:ext cx="11456683" cy="3063061"/>
-            <a:chOff x="243192" y="-2361"/>
-            <a:chExt cx="11456683" cy="3063061"/>
+            <a:off x="243192" y="2361"/>
+            <a:ext cx="11456683" cy="3060700"/>
+            <a:chOff x="243192" y="0"/>
+            <a:chExt cx="11456683" cy="3060700"/>
           </a:xfrm>
         </p:grpSpPr>
         <p:sp>
@@ -3007,8 +3007,8 @@
           </p:nvSpPr>
           <p:spPr>
             <a:xfrm>
-              <a:off x="7916091" y="-2361"/>
-              <a:ext cx="3783784" cy="3063061"/>
+              <a:off x="7916091" y="698030"/>
+              <a:ext cx="3783784" cy="1419048"/>
             </a:xfrm>
             <a:prstGeom prst="roundRect">
               <a:avLst>
@@ -3109,10 +3109,10 @@
           </p:nvGrpSpPr>
           <p:grpSpPr>
             <a:xfrm>
-              <a:off x="243192" y="117869"/>
-              <a:ext cx="11213491" cy="2878439"/>
-              <a:chOff x="550277" y="2097423"/>
-              <a:chExt cx="11213491" cy="2878439"/>
+              <a:off x="243192" y="304452"/>
+              <a:ext cx="11361839" cy="2603500"/>
+              <a:chOff x="550277" y="2284006"/>
+              <a:chExt cx="11361839" cy="2603500"/>
             </a:xfrm>
           </p:grpSpPr>
           <p:grpSp>
@@ -3235,284 +3235,35 @@
               </a:prstGeom>
             </p:spPr>
           </p:pic>
-          <p:grpSp>
-            <p:nvGrpSpPr>
-              <p:cNvPr id="39" name="Group 38">
+          <p:pic>
+            <p:nvPicPr>
+              <p:cNvPr id="44" name="Picture 43" descr="A close-up of a logo&#10;&#10;Description automatically generated">
                 <a:extLst>
                   <a:ext uri="{FF2B5EF4-FFF2-40B4-BE49-F238E27FC236}">
-                    <a16:creationId xmlns:a16="http://schemas.microsoft.com/office/drawing/2014/main" id="{23AE0B14-2C24-ACE2-7B1C-A116307D4024}"/>
+                    <a16:creationId xmlns:a16="http://schemas.microsoft.com/office/drawing/2014/main" id="{0CE5AF3D-9388-450A-BA23-462185393B15}"/>
                   </a:ext>
                 </a:extLst>
               </p:cNvPr>
-              <p:cNvGrpSpPr/>
+              <p:cNvPicPr>
+                <a:picLocks noChangeAspect="1"/>
+              </p:cNvPicPr>
               <p:nvPr/>
-            </p:nvGrpSpPr>
-            <p:grpSpPr>
+            </p:nvPicPr>
+            <p:blipFill rotWithShape="1">
+              <a:blip r:embed="rId4"/>
+              <a:srcRect l="10209" t="11723" r="4822" b="15374"/>
+              <a:stretch/>
+            </p:blipFill>
+            <p:spPr>
               <a:xfrm>
-                <a:off x="8334645" y="2097423"/>
-                <a:ext cx="3429123" cy="2878439"/>
-                <a:chOff x="8334645" y="2097423"/>
-                <a:chExt cx="3429123" cy="2878439"/>
+                <a:off x="8318020" y="2894199"/>
+                <a:ext cx="3594096" cy="1038189"/>
               </a:xfrm>
-            </p:grpSpPr>
-            <p:pic>
-              <p:nvPicPr>
-                <p:cNvPr id="44" name="Picture 43" descr="A close-up of a logo&#10;&#10;Description automatically generated">
-                  <a:extLst>
-                    <a:ext uri="{FF2B5EF4-FFF2-40B4-BE49-F238E27FC236}">
-                      <a16:creationId xmlns:a16="http://schemas.microsoft.com/office/drawing/2014/main" id="{0CE5AF3D-9388-450A-BA23-462185393B15}"/>
-                    </a:ext>
-                  </a:extLst>
-                </p:cNvPr>
-                <p:cNvPicPr>
-                  <a:picLocks noChangeAspect="1"/>
-                </p:cNvPicPr>
-                <p:nvPr/>
-              </p:nvPicPr>
-              <p:blipFill rotWithShape="1">
-                <a:blip r:embed="rId4"/>
-                <a:srcRect t="11723"/>
-                <a:stretch/>
-              </p:blipFill>
-              <p:spPr>
-                <a:xfrm>
-                  <a:off x="8385875" y="2097423"/>
-                  <a:ext cx="3317352" cy="985910"/>
-                </a:xfrm>
-                <a:prstGeom prst="rect">
-                  <a:avLst/>
-                </a:prstGeom>
-              </p:spPr>
-            </p:pic>
-            <p:pic>
-              <p:nvPicPr>
-                <p:cNvPr id="45" name="Picture 44" descr="A red diamond with a black background&#10;&#10;Description automatically generated">
-                  <a:extLst>
-                    <a:ext uri="{FF2B5EF4-FFF2-40B4-BE49-F238E27FC236}">
-                      <a16:creationId xmlns:a16="http://schemas.microsoft.com/office/drawing/2014/main" id="{18B1DF1F-A05A-E5FC-6A64-AF9D1AAE5D8F}"/>
-                    </a:ext>
-                  </a:extLst>
-                </p:cNvPr>
-                <p:cNvPicPr>
-                  <a:picLocks noChangeAspect="1"/>
-                </p:cNvPicPr>
-                <p:nvPr/>
-              </p:nvPicPr>
-              <p:blipFill>
-                <a:blip r:embed="rId5"/>
-                <a:stretch>
-                  <a:fillRect/>
-                </a:stretch>
-              </p:blipFill>
-              <p:spPr>
-                <a:xfrm>
-                  <a:off x="10244257" y="2868856"/>
-                  <a:ext cx="599333" cy="599333"/>
-                </a:xfrm>
-                <a:prstGeom prst="rect">
-                  <a:avLst/>
-                </a:prstGeom>
-              </p:spPr>
-            </p:pic>
-            <p:pic>
-              <p:nvPicPr>
-                <p:cNvPr id="46" name="Picture 45" descr="A logo of a coffee cup&#10;&#10;Description automatically generated">
-                  <a:extLst>
-                    <a:ext uri="{FF2B5EF4-FFF2-40B4-BE49-F238E27FC236}">
-                      <a16:creationId xmlns:a16="http://schemas.microsoft.com/office/drawing/2014/main" id="{508B5316-1652-64C9-02E3-2EBC714C7CB4}"/>
-                    </a:ext>
-                  </a:extLst>
-                </p:cNvPr>
-                <p:cNvPicPr>
-                  <a:picLocks noChangeAspect="1"/>
-                </p:cNvPicPr>
-                <p:nvPr/>
-              </p:nvPicPr>
-              <p:blipFill>
-                <a:blip r:embed="rId6"/>
-                <a:stretch>
-                  <a:fillRect/>
-                </a:stretch>
-              </p:blipFill>
-              <p:spPr>
-                <a:xfrm>
-                  <a:off x="8334645" y="2764296"/>
-                  <a:ext cx="1789811" cy="1116842"/>
-                </a:xfrm>
-                <a:prstGeom prst="rect">
-                  <a:avLst/>
-                </a:prstGeom>
-              </p:spPr>
-            </p:pic>
-            <p:pic>
-              <p:nvPicPr>
-                <p:cNvPr id="47" name="Picture 46" descr="A blue and black logo&#10;&#10;Description automatically generated">
-                  <a:extLst>
-                    <a:ext uri="{FF2B5EF4-FFF2-40B4-BE49-F238E27FC236}">
-                      <a16:creationId xmlns:a16="http://schemas.microsoft.com/office/drawing/2014/main" id="{9FD7E052-5174-E49D-D237-55020B82FEA1}"/>
-                    </a:ext>
-                  </a:extLst>
-                </p:cNvPr>
-                <p:cNvPicPr>
-                  <a:picLocks noChangeAspect="1"/>
-                </p:cNvPicPr>
-                <p:nvPr/>
-              </p:nvPicPr>
-              <p:blipFill>
-                <a:blip r:embed="rId7"/>
-                <a:stretch>
-                  <a:fillRect/>
-                </a:stretch>
-              </p:blipFill>
-              <p:spPr>
-                <a:xfrm>
-                  <a:off x="9869693" y="3256539"/>
-                  <a:ext cx="1894075" cy="1677822"/>
-                </a:xfrm>
-                <a:prstGeom prst="rect">
-                  <a:avLst/>
-                </a:prstGeom>
-              </p:spPr>
-            </p:pic>
-            <p:pic>
-              <p:nvPicPr>
-                <p:cNvPr id="48" name="Graphic 47">
-                  <a:extLst>
-                    <a:ext uri="{FF2B5EF4-FFF2-40B4-BE49-F238E27FC236}">
-                      <a16:creationId xmlns:a16="http://schemas.microsoft.com/office/drawing/2014/main" id="{38F142B1-8793-FC07-D1CB-7083F5EF897E}"/>
-                    </a:ext>
-                  </a:extLst>
-                </p:cNvPr>
-                <p:cNvPicPr>
-                  <a:picLocks noChangeAspect="1"/>
-                </p:cNvPicPr>
-                <p:nvPr/>
-              </p:nvPicPr>
-              <p:blipFill>
-                <a:blip r:embed="rId8">
-                  <a:extLst>
-                    <a:ext uri="{96DAC541-7B7A-43D3-8B79-37D633B846F1}">
-                      <asvg:svgBlip xmlns:asvg="http://schemas.microsoft.com/office/drawing/2016/SVG/main" r:embed="rId9"/>
-                    </a:ext>
-                  </a:extLst>
-                </a:blip>
-                <a:stretch>
-                  <a:fillRect/>
-                </a:stretch>
-              </p:blipFill>
-              <p:spPr>
-                <a:xfrm>
-                  <a:off x="8535551" y="4230582"/>
-                  <a:ext cx="624673" cy="703779"/>
-                </a:xfrm>
-                <a:prstGeom prst="rect">
-                  <a:avLst/>
-                </a:prstGeom>
-              </p:spPr>
-            </p:pic>
-            <p:pic>
-              <p:nvPicPr>
-                <p:cNvPr id="49" name="Picture 48" descr="A logo with a black background&#10;&#10;Description automatically generated">
-                  <a:extLst>
-                    <a:ext uri="{FF2B5EF4-FFF2-40B4-BE49-F238E27FC236}">
-                      <a16:creationId xmlns:a16="http://schemas.microsoft.com/office/drawing/2014/main" id="{AAF12B1F-0A0A-6015-870F-9C42EF236D61}"/>
-                    </a:ext>
-                  </a:extLst>
-                </p:cNvPr>
-                <p:cNvPicPr>
-                  <a:picLocks noChangeAspect="1"/>
-                </p:cNvPicPr>
-                <p:nvPr/>
-              </p:nvPicPr>
-              <p:blipFill>
-                <a:blip r:embed="rId10"/>
-                <a:stretch>
-                  <a:fillRect/>
-                </a:stretch>
-              </p:blipFill>
-              <p:spPr>
-                <a:xfrm>
-                  <a:off x="9643995" y="4408070"/>
-                  <a:ext cx="1789812" cy="567792"/>
-                </a:xfrm>
-                <a:prstGeom prst="rect">
-                  <a:avLst/>
-                </a:prstGeom>
-              </p:spPr>
-            </p:pic>
-            <p:pic>
-              <p:nvPicPr>
-                <p:cNvPr id="50" name="Graphic 49">
-                  <a:extLst>
-                    <a:ext uri="{FF2B5EF4-FFF2-40B4-BE49-F238E27FC236}">
-                      <a16:creationId xmlns:a16="http://schemas.microsoft.com/office/drawing/2014/main" id="{380970F5-B28D-A3B7-6D59-008C176ECC59}"/>
-                    </a:ext>
-                  </a:extLst>
-                </p:cNvPr>
-                <p:cNvPicPr>
-                  <a:picLocks noChangeAspect="1"/>
-                </p:cNvPicPr>
-                <p:nvPr/>
-              </p:nvPicPr>
-              <p:blipFill>
-                <a:blip r:embed="rId11">
-                  <a:extLst>
-                    <a:ext uri="{96DAC541-7B7A-43D3-8B79-37D633B846F1}">
-                      <asvg:svgBlip xmlns:asvg="http://schemas.microsoft.com/office/drawing/2016/SVG/main" r:embed="rId12"/>
-                    </a:ext>
-                  </a:extLst>
-                </a:blip>
-                <a:stretch>
-                  <a:fillRect/>
-                </a:stretch>
-              </p:blipFill>
-              <p:spPr>
-                <a:xfrm>
-                  <a:off x="9145130" y="3783471"/>
-                  <a:ext cx="743977" cy="795882"/>
-                </a:xfrm>
-                <a:prstGeom prst="rect">
-                  <a:avLst/>
-                </a:prstGeom>
-              </p:spPr>
-            </p:pic>
-            <p:pic>
-              <p:nvPicPr>
-                <p:cNvPr id="51" name="Graphic 50">
-                  <a:extLst>
-                    <a:ext uri="{FF2B5EF4-FFF2-40B4-BE49-F238E27FC236}">
-                      <a16:creationId xmlns:a16="http://schemas.microsoft.com/office/drawing/2014/main" id="{883C79BC-4361-3515-9E09-BBBC6EAE321B}"/>
-                    </a:ext>
-                  </a:extLst>
-                </p:cNvPr>
-                <p:cNvPicPr>
-                  <a:picLocks noChangeAspect="1"/>
-                </p:cNvPicPr>
-                <p:nvPr/>
-              </p:nvPicPr>
-              <p:blipFill>
-                <a:blip r:embed="rId13">
-                  <a:extLst>
-                    <a:ext uri="{96DAC541-7B7A-43D3-8B79-37D633B846F1}">
-                      <asvg:svgBlip xmlns:asvg="http://schemas.microsoft.com/office/drawing/2016/SVG/main" r:embed="rId14"/>
-                    </a:ext>
-                  </a:extLst>
-                </a:blip>
-                <a:stretch>
-                  <a:fillRect/>
-                </a:stretch>
-              </p:blipFill>
-              <p:spPr>
-                <a:xfrm>
-                  <a:off x="11102895" y="2960433"/>
-                  <a:ext cx="599333" cy="724567"/>
-                </a:xfrm>
-                <a:prstGeom prst="rect">
-                  <a:avLst/>
-                </a:prstGeom>
-              </p:spPr>
-            </p:pic>
-          </p:grpSp>
+              <a:prstGeom prst="rect">
+                <a:avLst/>
+              </a:prstGeom>
+            </p:spPr>
+          </p:pic>
           <p:grpSp>
             <p:nvGrpSpPr>
               <p:cNvPr id="40" name="Group 39">
@@ -3602,7 +3353,7 @@
                 <p:nvPr/>
               </p:nvPicPr>
               <p:blipFill>
-                <a:blip r:embed="rId15"/>
+                <a:blip r:embed="rId5"/>
                 <a:stretch>
                   <a:fillRect/>
                 </a:stretch>
